--- a/Later/JavaIO/JavaIO_66/Java Pipes_runnable.pptx
+++ b/Later/JavaIO/JavaIO_66/Java Pipes_runnable.pptx
@@ -192,7 +192,7 @@
           <a:p>
             <a:fld id="{62274EC6-3890-417B-9308-14EFBD00FA63}" type="datetimeFigureOut">
               <a:rPr lang="en-US" smtClean="0"/>
-              <a:t>7/27/2016</a:t>
+              <a:t>7/29/2016</a:t>
             </a:fld>
             <a:endParaRPr lang="en-US" dirty="0"/>
           </a:p>
@@ -731,7 +731,7 @@
             <a:fld id="{1D8BD707-D9CF-40AE-B4C6-C98DA3205C09}" type="datetimeFigureOut">
               <a:rPr lang="en-US" smtClean="0"/>
               <a:pPr/>
-              <a:t>7/27/2016</a:t>
+              <a:t>7/29/2016</a:t>
             </a:fld>
             <a:endParaRPr lang="en-US" dirty="0"/>
           </a:p>
@@ -903,7 +903,7 @@
             <a:fld id="{1D8BD707-D9CF-40AE-B4C6-C98DA3205C09}" type="datetimeFigureOut">
               <a:rPr lang="en-US" smtClean="0"/>
               <a:pPr/>
-              <a:t>7/27/2016</a:t>
+              <a:t>7/29/2016</a:t>
             </a:fld>
             <a:endParaRPr lang="en-US" dirty="0"/>
           </a:p>
@@ -1085,7 +1085,7 @@
             <a:fld id="{1D8BD707-D9CF-40AE-B4C6-C98DA3205C09}" type="datetimeFigureOut">
               <a:rPr lang="en-US" smtClean="0"/>
               <a:pPr/>
-              <a:t>7/27/2016</a:t>
+              <a:t>7/29/2016</a:t>
             </a:fld>
             <a:endParaRPr lang="en-US" dirty="0"/>
           </a:p>
@@ -1257,7 +1257,7 @@
             <a:fld id="{1D8BD707-D9CF-40AE-B4C6-C98DA3205C09}" type="datetimeFigureOut">
               <a:rPr lang="en-US" smtClean="0"/>
               <a:pPr/>
-              <a:t>7/27/2016</a:t>
+              <a:t>7/29/2016</a:t>
             </a:fld>
             <a:endParaRPr lang="en-US" dirty="0"/>
           </a:p>
@@ -1505,7 +1505,7 @@
             <a:fld id="{1D8BD707-D9CF-40AE-B4C6-C98DA3205C09}" type="datetimeFigureOut">
               <a:rPr lang="en-US" smtClean="0"/>
               <a:pPr/>
-              <a:t>7/27/2016</a:t>
+              <a:t>7/29/2016</a:t>
             </a:fld>
             <a:endParaRPr lang="en-US" dirty="0"/>
           </a:p>
@@ -1795,7 +1795,7 @@
             <a:fld id="{1D8BD707-D9CF-40AE-B4C6-C98DA3205C09}" type="datetimeFigureOut">
               <a:rPr lang="en-US" smtClean="0"/>
               <a:pPr/>
-              <a:t>7/27/2016</a:t>
+              <a:t>7/29/2016</a:t>
             </a:fld>
             <a:endParaRPr lang="en-US" dirty="0"/>
           </a:p>
@@ -2224,7 +2224,7 @@
             <a:fld id="{1D8BD707-D9CF-40AE-B4C6-C98DA3205C09}" type="datetimeFigureOut">
               <a:rPr lang="en-US" smtClean="0"/>
               <a:pPr/>
-              <a:t>7/27/2016</a:t>
+              <a:t>7/29/2016</a:t>
             </a:fld>
             <a:endParaRPr lang="en-US" dirty="0"/>
           </a:p>
@@ -2344,7 +2344,7 @@
             <a:fld id="{1D8BD707-D9CF-40AE-B4C6-C98DA3205C09}" type="datetimeFigureOut">
               <a:rPr lang="en-US" smtClean="0"/>
               <a:pPr/>
-              <a:t>7/27/2016</a:t>
+              <a:t>7/29/2016</a:t>
             </a:fld>
             <a:endParaRPr lang="en-US" dirty="0"/>
           </a:p>
@@ -2441,7 +2441,7 @@
             <a:fld id="{1D8BD707-D9CF-40AE-B4C6-C98DA3205C09}" type="datetimeFigureOut">
               <a:rPr lang="en-US" smtClean="0"/>
               <a:pPr/>
-              <a:t>7/27/2016</a:t>
+              <a:t>7/29/2016</a:t>
             </a:fld>
             <a:endParaRPr lang="en-US" dirty="0"/>
           </a:p>
@@ -2720,7 +2720,7 @@
             <a:fld id="{1D8BD707-D9CF-40AE-B4C6-C98DA3205C09}" type="datetimeFigureOut">
               <a:rPr lang="en-US" smtClean="0"/>
               <a:pPr/>
-              <a:t>7/27/2016</a:t>
+              <a:t>7/29/2016</a:t>
             </a:fld>
             <a:endParaRPr lang="en-US" dirty="0"/>
           </a:p>
@@ -2975,7 +2975,7 @@
             <a:fld id="{1D8BD707-D9CF-40AE-B4C6-C98DA3205C09}" type="datetimeFigureOut">
               <a:rPr lang="en-US" smtClean="0"/>
               <a:pPr/>
-              <a:t>7/27/2016</a:t>
+              <a:t>7/29/2016</a:t>
             </a:fld>
             <a:endParaRPr lang="en-US" dirty="0"/>
           </a:p>
@@ -3190,7 +3190,7 @@
             <a:fld id="{1D8BD707-D9CF-40AE-B4C6-C98DA3205C09}" type="datetimeFigureOut">
               <a:rPr lang="en-US" smtClean="0"/>
               <a:pPr/>
-              <a:t>7/27/2016</a:t>
+              <a:t>7/29/2016</a:t>
             </a:fld>
             <a:endParaRPr lang="en-US" dirty="0"/>
           </a:p>
@@ -3705,23 +3705,7 @@
             </a:r>
             <a:r>
               <a:rPr lang="en-US" sz="1000" dirty="0"/>
-              <a:t>, our applications are directly involved with one side of a given stream at a time. PipedInputStream and PipedOutputStream (or </a:t>
-            </a:r>
-            <a:r>
-              <a:rPr lang="en-US" sz="1000" dirty="0"/>
-              <a:t>PipedReader</a:t>
-            </a:r>
-            <a:r>
-              <a:rPr lang="en-US" sz="1000" dirty="0"/>
-              <a:t> and </a:t>
-            </a:r>
-            <a:r>
-              <a:rPr lang="en-US" sz="1000" dirty="0"/>
-              <a:t>PipedWriter</a:t>
-            </a:r>
-            <a:r>
-              <a:rPr lang="en-US" sz="1000" dirty="0"/>
-              <a:t>), however, let us create two sides of a stream and connect them together, as shown in </a:t>
+              <a:t>, our applications are directly involved with one side of a given stream at a time. PipedInputStream and PipedOutputStream (or PipedReader and PipedWriter), however, let us create two sides of a stream and connect them together, as shown in </a:t>
             </a:r>
             <a:r>
               <a:rPr lang="en-US" sz="1000" dirty="0" smtClean="0"/>
@@ -3751,23 +3735,7 @@
             </a:r>
             <a:r>
               <a:rPr lang="en-US" sz="1000" dirty="0"/>
-              <a:t>create a pipe, we use both a </a:t>
-            </a:r>
-            <a:r>
-              <a:rPr lang="en-US" sz="1000" dirty="0"/>
-              <a:t>PipedInputStream</a:t>
-            </a:r>
-            <a:r>
-              <a:rPr lang="en-US" sz="1000" dirty="0"/>
-              <a:t> and a </a:t>
-            </a:r>
-            <a:r>
-              <a:rPr lang="en-US" sz="1000" dirty="0"/>
-              <a:t>PipedOutputStream</a:t>
-            </a:r>
-            <a:r>
-              <a:rPr lang="en-US" sz="1000" dirty="0"/>
-              <a:t>. We can simply choose a side and then construct the other side using the first as an argument</a:t>
+              <a:t>create a pipe, we use both a PipedInputStream and a PipedOutputStream. We can simply choose a side and then construct the other side using the first as an argument</a:t>
             </a:r>
             <a:r>
               <a:rPr lang="en-US" sz="1000" dirty="0" smtClean="0"/>
@@ -3870,63 +3838,19 @@
             </a:br>
             <a:r>
               <a:rPr lang="en-US" sz="1000" dirty="0"/>
-              <a:t>In each of these examples, the effect is to produce an input stream, </a:t>
+              <a:t>In each of these examples, the effect is to produce an input stream, pin, and an output stream, pout, that are connected. Data written to pout can then be read by pin. It is also possible to create </a:t>
+            </a:r>
+            <a:r>
+              <a:rPr lang="en-US" sz="1000" dirty="0" smtClean="0"/>
+              <a:t>the </a:t>
+            </a:r>
+            <a:r>
+              <a:rPr lang="en-US" sz="1000" dirty="0" err="1" smtClean="0"/>
+              <a:t>PipedInputStream</a:t>
             </a:r>
             <a:r>
               <a:rPr lang="en-US" sz="1000" dirty="0"/>
-              <a:t>pin</a:t>
-            </a:r>
-            <a:r>
-              <a:rPr lang="en-US" sz="1000" dirty="0"/>
-              <a:t>, and an output stream, </a:t>
-            </a:r>
-            <a:r>
-              <a:rPr lang="en-US" sz="1000" dirty="0"/>
-              <a:t>pout</a:t>
-            </a:r>
-            <a:r>
-              <a:rPr lang="en-US" sz="1000" dirty="0"/>
-              <a:t>, that are connected. Data written to </a:t>
-            </a:r>
-            <a:r>
-              <a:rPr lang="en-US" sz="1000" dirty="0"/>
-              <a:t>pout</a:t>
-            </a:r>
-            <a:r>
-              <a:rPr lang="en-US" sz="1000" dirty="0"/>
-              <a:t> can then be read by </a:t>
-            </a:r>
-            <a:r>
-              <a:rPr lang="en-US" sz="1000" dirty="0"/>
-              <a:t>pin</a:t>
-            </a:r>
-            <a:r>
-              <a:rPr lang="en-US" sz="1000" dirty="0"/>
-              <a:t>. It is also possible to create the</a:t>
-            </a:r>
-            <a:r>
-              <a:rPr lang="en-US" sz="1000" dirty="0"/>
-              <a:t>PipedInputStream</a:t>
-            </a:r>
-            <a:r>
-              <a:rPr lang="en-US" sz="1000" dirty="0"/>
-              <a:t> and the </a:t>
-            </a:r>
-            <a:r>
-              <a:rPr lang="en-US" sz="1000" dirty="0"/>
-              <a:t>PipedOutputStream</a:t>
-            </a:r>
-            <a:r>
-              <a:rPr lang="en-US" sz="1000" dirty="0"/>
-              <a:t> separately, and then connect them with the </a:t>
-            </a:r>
-            <a:r>
-              <a:rPr lang="en-US" sz="1000" dirty="0"/>
-              <a:t>connect()</a:t>
-            </a:r>
-            <a:r>
-              <a:rPr lang="en-US" sz="1000" dirty="0"/>
-              <a:t> method.</a:t>
+              <a:t> and the PipedOutputStream separately, and then connect them with the connect() method.</a:t>
             </a:r>
           </a:p>
           <a:p>
